--- a/materials/slides/ch02-angular-basic.pptx
+++ b/materials/slides/ch02-angular-basic.pptx
@@ -5,19 +5,19 @@
     <p:sldMasterId id="2147483648" r:id="rId1"/>
   </p:sldMasterIdLst>
   <p:notesMasterIdLst>
-    <p:notesMasterId r:id="rId5"/>
+    <p:notesMasterId r:id="rId12"/>
   </p:notesMasterIdLst>
   <p:sldIdLst>
-    <p:sldId id="773" r:id="rId3"/>
-    <p:sldId id="927" r:id="rId4"/>
-    <p:sldId id="929" r:id="rId6"/>
-    <p:sldId id="930" r:id="rId7"/>
-    <p:sldId id="931" r:id="rId8"/>
-    <p:sldId id="932" r:id="rId9"/>
-    <p:sldId id="935" r:id="rId10"/>
-    <p:sldId id="936" r:id="rId11"/>
-    <p:sldId id="938" r:id="rId12"/>
-    <p:sldId id="937" r:id="rId13"/>
+    <p:sldId id="773" r:id="rId2"/>
+    <p:sldId id="927" r:id="rId3"/>
+    <p:sldId id="929" r:id="rId4"/>
+    <p:sldId id="930" r:id="rId5"/>
+    <p:sldId id="931" r:id="rId6"/>
+    <p:sldId id="932" r:id="rId7"/>
+    <p:sldId id="935" r:id="rId8"/>
+    <p:sldId id="936" r:id="rId9"/>
+    <p:sldId id="938" r:id="rId10"/>
+    <p:sldId id="937" r:id="rId11"/>
   </p:sldIdLst>
   <p:sldSz cx="12192000" cy="6858000"/>
   <p:notesSz cx="6797675" cy="9928225"/>
@@ -336,7 +336,6 @@
               <a:rPr lang="zh-CN" altLang="zh-CN" noProof="0" smtClean="0"/>
               <a:t>                                                   </a:t>
             </a:r>
-            <a:endParaRPr lang="zh-CN" altLang="zh-CN" noProof="0" smtClean="0"/>
           </a:p>
           <a:p>
             <a:pPr lvl="1"/>
@@ -344,7 +343,6 @@
               <a:rPr lang="zh-CN" altLang="zh-CN" noProof="0" smtClean="0"/>
               <a:t>               </a:t>
             </a:r>
-            <a:endParaRPr lang="zh-CN" altLang="zh-CN" noProof="0" smtClean="0"/>
           </a:p>
           <a:p>
             <a:pPr lvl="2"/>
@@ -352,7 +350,6 @@
               <a:rPr lang="zh-CN" altLang="zh-CN" noProof="0" smtClean="0"/>
               <a:t>                </a:t>
             </a:r>
-            <a:endParaRPr lang="zh-CN" altLang="zh-CN" noProof="0" smtClean="0"/>
           </a:p>
           <a:p>
             <a:pPr lvl="3"/>
@@ -360,7 +357,6 @@
               <a:rPr lang="zh-CN" altLang="zh-CN" noProof="0" smtClean="0"/>
               <a:t>                </a:t>
             </a:r>
-            <a:endParaRPr lang="zh-CN" altLang="zh-CN" noProof="0" smtClean="0"/>
           </a:p>
           <a:p>
             <a:pPr lvl="4"/>
@@ -368,7 +364,6 @@
               <a:rPr lang="zh-CN" altLang="zh-CN" noProof="0" smtClean="0"/>
               <a:t>                </a:t>
             </a:r>
-            <a:endParaRPr lang="zh-CN" altLang="zh-CN" noProof="0" smtClean="0"/>
           </a:p>
         </p:txBody>
       </p:sp>
@@ -455,12 +450,18 @@
             </a:pPr>
             <a:fld id="{F2CCABD1-AF70-44CD-8C26-4C379059FAC1}" type="slidenum">
               <a:rPr lang="zh-CN" altLang="zh-CN"/>
+              <a:t>‹#›</a:t>
             </a:fld>
             <a:endParaRPr lang="zh-CN" altLang="zh-CN"/>
           </a:p>
         </p:txBody>
       </p:sp>
     </p:spTree>
+    <p:extLst>
+      <p:ext uri="{BB962C8B-B14F-4D97-AF65-F5344CB8AC3E}">
+        <p14:creationId xmlns:p14="http://schemas.microsoft.com/office/powerpoint/2010/main" val="251489505"/>
+      </p:ext>
+    </p:extLst>
   </p:cSld>
   <p:clrMap bg1="lt1" tx1="dk1" bg2="lt2" tx2="dk2" accent1="accent1" accent2="accent2" accent3="accent3" accent4="accent4" accent5="accent5" accent6="accent6" hlink="hlink" folHlink="folHlink"/>
   <p:notesStyle>
@@ -803,6 +804,7 @@
               <a:rPr lang="zh-CN" altLang="zh-CN">
                 <a:ea typeface="宋体" panose="02010600030101010101" pitchFamily="2" charset="-122"/>
               </a:rPr>
+              <a:t>2</a:t>
             </a:fld>
             <a:endParaRPr lang="zh-CN" altLang="zh-CN">
               <a:ea typeface="宋体" panose="02010600030101010101" pitchFamily="2" charset="-122"/>
@@ -1033,6 +1035,7 @@
               <a:rPr lang="zh-CN" altLang="zh-CN">
                 <a:ea typeface="宋体" panose="02010600030101010101" pitchFamily="2" charset="-122"/>
               </a:rPr>
+              <a:t>4</a:t>
             </a:fld>
             <a:endParaRPr lang="zh-CN" altLang="zh-CN">
               <a:ea typeface="宋体" panose="02010600030101010101" pitchFamily="2" charset="-122"/>
@@ -1263,6 +1266,7 @@
               <a:rPr lang="zh-CN" altLang="zh-CN">
                 <a:ea typeface="宋体" panose="02010600030101010101" pitchFamily="2" charset="-122"/>
               </a:rPr>
+              <a:t>6</a:t>
             </a:fld>
             <a:endParaRPr lang="zh-CN" altLang="zh-CN">
               <a:ea typeface="宋体" panose="02010600030101010101" pitchFamily="2" charset="-122"/>
@@ -1348,7 +1352,6 @@
               <a:rPr lang="zh-CN" altLang="en-US" dirty="0" smtClean="0"/>
               <a:t>单击此处编辑母版文本样式</a:t>
             </a:r>
-            <a:endParaRPr lang="zh-CN" altLang="en-US" dirty="0" smtClean="0"/>
           </a:p>
           <a:p>
             <a:pPr lvl="1"/>
@@ -1356,7 +1359,6 @@
               <a:rPr lang="zh-CN" altLang="en-US" dirty="0" smtClean="0"/>
               <a:t>第二级</a:t>
             </a:r>
-            <a:endParaRPr lang="zh-CN" altLang="en-US" dirty="0" smtClean="0"/>
           </a:p>
           <a:p>
             <a:pPr lvl="2"/>
@@ -1364,7 +1366,6 @@
               <a:rPr lang="zh-CN" altLang="en-US" dirty="0" smtClean="0"/>
               <a:t>第三级</a:t>
             </a:r>
-            <a:endParaRPr lang="zh-CN" altLang="en-US" dirty="0" smtClean="0"/>
           </a:p>
           <a:p>
             <a:pPr lvl="3"/>
@@ -1372,7 +1373,6 @@
               <a:rPr lang="zh-CN" altLang="en-US" dirty="0" smtClean="0"/>
               <a:t>第四级</a:t>
             </a:r>
-            <a:endParaRPr lang="zh-CN" altLang="en-US" dirty="0" smtClean="0"/>
           </a:p>
         </p:txBody>
       </p:sp>
@@ -1434,7 +1434,6 @@
               <a:rPr lang="zh-CN" altLang="en-US" dirty="0" smtClean="0"/>
               <a:t>单击此处编辑母版文本样式</a:t>
             </a:r>
-            <a:endParaRPr lang="zh-CN" altLang="en-US" dirty="0" smtClean="0"/>
           </a:p>
         </p:txBody>
       </p:sp>
@@ -1512,6 +1511,7 @@
             </a:pPr>
             <a:fld id="{47C3396E-9211-4547-967E-61E7FE21E567}" type="slidenum">
               <a:rPr lang="zh-CN" altLang="zh-CN"/>
+              <a:t>‹#›</a:t>
             </a:fld>
             <a:endParaRPr lang="zh-CN" altLang="zh-CN" sz="3200" b="0"/>
           </a:p>
@@ -1607,7 +1607,6 @@
               <a:rPr lang="zh-CN" altLang="en-US" dirty="0" smtClean="0"/>
               <a:t>单击此处编辑母版文本样式</a:t>
             </a:r>
-            <a:endParaRPr lang="zh-CN" altLang="en-US" dirty="0" smtClean="0"/>
           </a:p>
           <a:p>
             <a:pPr lvl="1"/>
@@ -1615,7 +1614,6 @@
               <a:rPr lang="zh-CN" altLang="en-US" dirty="0" smtClean="0"/>
               <a:t>第二级</a:t>
             </a:r>
-            <a:endParaRPr lang="zh-CN" altLang="en-US" dirty="0" smtClean="0"/>
           </a:p>
           <a:p>
             <a:pPr lvl="2"/>
@@ -1623,7 +1621,6 @@
               <a:rPr lang="zh-CN" altLang="en-US" dirty="0" smtClean="0"/>
               <a:t>第三级</a:t>
             </a:r>
-            <a:endParaRPr lang="zh-CN" altLang="en-US" dirty="0" smtClean="0"/>
           </a:p>
           <a:p>
             <a:pPr lvl="3"/>
@@ -1631,7 +1628,6 @@
               <a:rPr lang="zh-CN" altLang="en-US" dirty="0" smtClean="0"/>
               <a:t>第四级</a:t>
             </a:r>
-            <a:endParaRPr lang="zh-CN" altLang="en-US" dirty="0" smtClean="0"/>
           </a:p>
         </p:txBody>
       </p:sp>
@@ -1693,7 +1689,6 @@
               <a:rPr lang="zh-CN" altLang="en-US" dirty="0" smtClean="0"/>
               <a:t>单击此处编辑母版文本样式</a:t>
             </a:r>
-            <a:endParaRPr lang="zh-CN" altLang="en-US" dirty="0" smtClean="0"/>
           </a:p>
         </p:txBody>
       </p:sp>
@@ -1775,7 +1770,6 @@
               <a:rPr lang="zh-CN" altLang="en-US" dirty="0"/>
               <a:t>单击此处编辑母版文本样式</a:t>
             </a:r>
-            <a:endParaRPr lang="zh-CN" altLang="en-US" dirty="0"/>
           </a:p>
           <a:p>
             <a:pPr lvl="1"/>
@@ -1783,7 +1777,6 @@
               <a:rPr lang="zh-CN" altLang="en-US" dirty="0"/>
               <a:t>第二级</a:t>
             </a:r>
-            <a:endParaRPr lang="zh-CN" altLang="en-US" dirty="0"/>
           </a:p>
           <a:p>
             <a:pPr lvl="2"/>
@@ -1791,7 +1784,6 @@
               <a:rPr lang="zh-CN" altLang="en-US" dirty="0"/>
               <a:t>第三级</a:t>
             </a:r>
-            <a:endParaRPr lang="zh-CN" altLang="en-US" dirty="0"/>
           </a:p>
           <a:p>
             <a:pPr lvl="3"/>
@@ -1799,7 +1791,6 @@
               <a:rPr lang="zh-CN" altLang="en-US" dirty="0"/>
               <a:t>第四级</a:t>
             </a:r>
-            <a:endParaRPr lang="zh-CN" altLang="en-US" dirty="0"/>
           </a:p>
         </p:txBody>
       </p:sp>
@@ -1861,7 +1852,6 @@
               <a:rPr lang="zh-CN" altLang="en-US" dirty="0"/>
               <a:t>单击此处编辑母版文本样式</a:t>
             </a:r>
-            <a:endParaRPr lang="zh-CN" altLang="en-US" dirty="0"/>
           </a:p>
         </p:txBody>
       </p:sp>
@@ -1879,7 +1869,7 @@
     <p:bg bwMode="auto">
       <p:bgPr>
         <a:blipFill dpi="0" rotWithShape="0">
-          <a:blip r:embed="rId6"/>
+          <a:blip r:embed="rId7"/>
           <a:srcRect/>
           <a:stretch>
             <a:fillRect/>
@@ -1942,6 +1932,7 @@
             </a:pPr>
             <a:fld id="{E0DF5675-CCDD-41D0-B739-D8B68A8C341A}" type="slidenum">
               <a:rPr lang="zh-CN" altLang="zh-CN"/>
+              <a:t>‹#›</a:t>
             </a:fld>
             <a:endParaRPr lang="zh-CN" altLang="zh-CN"/>
           </a:p>
@@ -1956,7 +1947,7 @@
           <p:nvPr userDrawn="1"/>
         </p:nvPicPr>
         <p:blipFill>
-          <a:blip r:embed="rId7">
+          <a:blip r:embed="rId8">
             <a:extLst>
               <a:ext uri="{28A0092B-C50C-407E-A947-70E740481C1C}">
                 <a14:useLocalDpi xmlns:a14="http://schemas.microsoft.com/office/drawing/2010/main" val="0"/>
@@ -2010,7 +2001,7 @@
           <p:nvPr userDrawn="1"/>
         </p:nvPicPr>
         <p:blipFill>
-          <a:blip r:embed="rId8">
+          <a:blip r:embed="rId9">
             <a:extLst>
               <a:ext uri="{28A0092B-C50C-407E-A947-70E740481C1C}">
                 <a14:useLocalDpi xmlns:a14="http://schemas.microsoft.com/office/drawing/2010/main" val="0"/>
@@ -2519,7 +2510,7 @@
           <p:nvPr/>
         </p:nvPicPr>
         <p:blipFill>
-          <a:blip r:embed="rId1">
+          <a:blip r:embed="rId2">
             <a:extLst>
               <a:ext uri="{28A0092B-C50C-407E-A947-70E740481C1C}">
                 <a14:useLocalDpi xmlns:a14="http://schemas.microsoft.com/office/drawing/2010/main" val="0"/>
@@ -2800,7 +2791,7 @@
                 <a:latin typeface="+mn-ea"/>
                 <a:ea typeface="+mn-ea"/>
               </a:rPr>
-              <a:t>基础语法</a:t>
+              <a:t>基础</a:t>
             </a:r>
             <a:endParaRPr lang="zh-CN" altLang="en-US" sz="3600" dirty="0">
               <a:latin typeface="+mn-ea"/>
@@ -2818,7 +2809,7 @@
           <p:nvPr/>
         </p:nvPicPr>
         <p:blipFill>
-          <a:blip r:embed="rId2">
+          <a:blip r:embed="rId3">
             <a:extLst>
               <a:ext uri="{28A0092B-C50C-407E-A947-70E740481C1C}">
                 <a14:useLocalDpi xmlns:a14="http://schemas.microsoft.com/office/drawing/2010/main" val="0"/>
@@ -2905,7 +2896,7 @@
           <p:nvPr/>
         </p:nvPicPr>
         <p:blipFill>
-          <a:blip r:embed="rId1">
+          <a:blip r:embed="rId2">
             <a:extLst>
               <a:ext uri="{28A0092B-C50C-407E-A947-70E740481C1C}">
                 <a14:useLocalDpi xmlns:a14="http://schemas.microsoft.com/office/drawing/2010/main" val="0"/>
@@ -3015,7 +3006,7 @@
           <p:nvPr/>
         </p:nvPicPr>
         <p:blipFill>
-          <a:blip r:embed="rId2">
+          <a:blip r:embed="rId3">
             <a:extLst>
               <a:ext uri="{28A0092B-C50C-407E-A947-70E740481C1C}">
                 <a14:useLocalDpi xmlns:a14="http://schemas.microsoft.com/office/drawing/2010/main" val="0"/>
@@ -3531,8 +3522,8 @@
         </p:nvSpPr>
         <p:spPr bwMode="auto">
           <a:xfrm>
-            <a:off x="693526" y="1052513"/>
-            <a:ext cx="10157038" cy="3961213"/>
+            <a:off x="693526" y="908446"/>
+            <a:ext cx="10157038" cy="4969675"/>
           </a:xfrm>
           <a:solidFill>
             <a:schemeClr val="bg1"/>
@@ -3551,7 +3542,6 @@
               <a:rPr lang="en-US" altLang="zh-CN" dirty="0" smtClean="0"/>
               <a:t>Node</a:t>
             </a:r>
-            <a:endParaRPr lang="en-US" altLang="zh-CN" dirty="0" smtClean="0"/>
           </a:p>
           <a:p>
             <a:pPr marL="360045"/>
@@ -3623,7 +3613,6 @@
               <a:rPr lang="en-US" altLang="zh-CN" dirty="0" smtClean="0"/>
               <a:t>angular/cli</a:t>
             </a:r>
-            <a:endParaRPr lang="en-US" altLang="zh-CN" dirty="0" smtClean="0"/>
           </a:p>
           <a:p>
             <a:pPr marL="591820" lvl="1"/>
@@ -3634,6 +3623,38 @@
             <a:r>
               <a:rPr lang="zh-CN" altLang="en-US" dirty="0" smtClean="0"/>
               <a:t>只需安装一次</a:t>
+            </a:r>
+            <a:endParaRPr lang="en-US" altLang="zh-CN" dirty="0" smtClean="0"/>
+          </a:p>
+          <a:p>
+            <a:pPr marL="591820" lvl="1"/>
+            <a:r>
+              <a:rPr lang="en-US" altLang="zh-CN" dirty="0" smtClean="0"/>
+              <a:t> </a:t>
+            </a:r>
+            <a:r>
+              <a:rPr lang="zh-CN" altLang="en-US" dirty="0" smtClean="0"/>
+              <a:t>可安装淘宝镜像</a:t>
+            </a:r>
+            <a:endParaRPr lang="en-US" altLang="zh-CN" dirty="0" smtClean="0"/>
+          </a:p>
+          <a:p>
+            <a:pPr marL="593090" lvl="2"/>
+            <a:r>
+              <a:rPr lang="en-US" altLang="zh-CN" dirty="0" smtClean="0"/>
+              <a:t> </a:t>
+            </a:r>
+            <a:r>
+              <a:rPr lang="sv-SE" altLang="zh-CN" dirty="0"/>
+              <a:t>npm install -g cnpm --registry=https://registry.npm.taobao.org</a:t>
+            </a:r>
+            <a:endParaRPr lang="en-US" altLang="zh-CN" dirty="0" smtClean="0"/>
+          </a:p>
+          <a:p>
+            <a:pPr marL="591820" lvl="1"/>
+            <a:r>
+              <a:rPr lang="en-US" altLang="zh-CN" dirty="0"/>
+              <a:t> </a:t>
             </a:r>
             <a:endParaRPr lang="en-US" altLang="zh-CN" dirty="0" smtClean="0"/>
           </a:p>
@@ -3716,10 +3737,6 @@
               </a:rPr>
               <a:t>环境搭建</a:t>
             </a:r>
-            <a:endParaRPr lang="zh-CN" altLang="en-US" dirty="0" smtClean="0">
-              <a:latin typeface="+mn-ea"/>
-              <a:ea typeface="+mn-ea"/>
-            </a:endParaRPr>
           </a:p>
         </p:txBody>
       </p:sp>
@@ -3731,7 +3748,218 @@
   <p:timing>
     <p:tnLst>
       <p:par>
-        <p:cTn id="1" dur="indefinite" restart="never" nodeType="tmRoot"/>
+        <p:cTn id="1" dur="indefinite" restart="never" nodeType="tmRoot">
+          <p:childTnLst>
+            <p:seq concurrent="1" nextAc="seek">
+              <p:cTn id="2" dur="indefinite" nodeType="mainSeq">
+                <p:childTnLst>
+                  <p:par>
+                    <p:cTn id="3" fill="hold">
+                      <p:stCondLst>
+                        <p:cond delay="indefinite"/>
+                      </p:stCondLst>
+                      <p:childTnLst>
+                        <p:par>
+                          <p:cTn id="4" fill="hold">
+                            <p:stCondLst>
+                              <p:cond delay="0"/>
+                            </p:stCondLst>
+                            <p:childTnLst>
+                              <p:par>
+                                <p:cTn id="5" presetID="2" presetClass="entr" presetSubtype="4" fill="hold" nodeType="clickEffect">
+                                  <p:stCondLst>
+                                    <p:cond delay="0"/>
+                                  </p:stCondLst>
+                                  <p:childTnLst>
+                                    <p:set>
+                                      <p:cBhvr>
+                                        <p:cTn id="6" dur="1" fill="hold">
+                                          <p:stCondLst>
+                                            <p:cond delay="0"/>
+                                          </p:stCondLst>
+                                        </p:cTn>
+                                        <p:tgtEl>
+                                          <p:spTgt spid="30722">
+                                            <p:txEl>
+                                              <p:pRg st="5" end="5"/>
+                                            </p:txEl>
+                                          </p:spTgt>
+                                        </p:tgtEl>
+                                        <p:attrNameLst>
+                                          <p:attrName>style.visibility</p:attrName>
+                                        </p:attrNameLst>
+                                      </p:cBhvr>
+                                      <p:to>
+                                        <p:strVal val="visible"/>
+                                      </p:to>
+                                    </p:set>
+                                    <p:anim calcmode="lin" valueType="num">
+                                      <p:cBhvr additive="base">
+                                        <p:cTn id="7" dur="500" fill="hold"/>
+                                        <p:tgtEl>
+                                          <p:spTgt spid="30722">
+                                            <p:txEl>
+                                              <p:pRg st="5" end="5"/>
+                                            </p:txEl>
+                                          </p:spTgt>
+                                        </p:tgtEl>
+                                        <p:attrNameLst>
+                                          <p:attrName>ppt_x</p:attrName>
+                                        </p:attrNameLst>
+                                      </p:cBhvr>
+                                      <p:tavLst>
+                                        <p:tav tm="0">
+                                          <p:val>
+                                            <p:strVal val="#ppt_x"/>
+                                          </p:val>
+                                        </p:tav>
+                                        <p:tav tm="100000">
+                                          <p:val>
+                                            <p:strVal val="#ppt_x"/>
+                                          </p:val>
+                                        </p:tav>
+                                      </p:tavLst>
+                                    </p:anim>
+                                    <p:anim calcmode="lin" valueType="num">
+                                      <p:cBhvr additive="base">
+                                        <p:cTn id="8" dur="500" fill="hold"/>
+                                        <p:tgtEl>
+                                          <p:spTgt spid="30722">
+                                            <p:txEl>
+                                              <p:pRg st="5" end="5"/>
+                                            </p:txEl>
+                                          </p:spTgt>
+                                        </p:tgtEl>
+                                        <p:attrNameLst>
+                                          <p:attrName>ppt_y</p:attrName>
+                                        </p:attrNameLst>
+                                      </p:cBhvr>
+                                      <p:tavLst>
+                                        <p:tav tm="0">
+                                          <p:val>
+                                            <p:strVal val="1+#ppt_h/2"/>
+                                          </p:val>
+                                        </p:tav>
+                                        <p:tav tm="100000">
+                                          <p:val>
+                                            <p:strVal val="#ppt_y"/>
+                                          </p:val>
+                                        </p:tav>
+                                      </p:tavLst>
+                                    </p:anim>
+                                  </p:childTnLst>
+                                </p:cTn>
+                              </p:par>
+                              <p:par>
+                                <p:cTn id="9" presetID="2" presetClass="entr" presetSubtype="4" fill="hold" nodeType="withEffect">
+                                  <p:stCondLst>
+                                    <p:cond delay="0"/>
+                                  </p:stCondLst>
+                                  <p:childTnLst>
+                                    <p:set>
+                                      <p:cBhvr>
+                                        <p:cTn id="10" dur="1" fill="hold">
+                                          <p:stCondLst>
+                                            <p:cond delay="0"/>
+                                          </p:stCondLst>
+                                        </p:cTn>
+                                        <p:tgtEl>
+                                          <p:spTgt spid="30722">
+                                            <p:txEl>
+                                              <p:pRg st="6" end="6"/>
+                                            </p:txEl>
+                                          </p:spTgt>
+                                        </p:tgtEl>
+                                        <p:attrNameLst>
+                                          <p:attrName>style.visibility</p:attrName>
+                                        </p:attrNameLst>
+                                      </p:cBhvr>
+                                      <p:to>
+                                        <p:strVal val="visible"/>
+                                      </p:to>
+                                    </p:set>
+                                    <p:anim calcmode="lin" valueType="num">
+                                      <p:cBhvr additive="base">
+                                        <p:cTn id="11" dur="500" fill="hold"/>
+                                        <p:tgtEl>
+                                          <p:spTgt spid="30722">
+                                            <p:txEl>
+                                              <p:pRg st="6" end="6"/>
+                                            </p:txEl>
+                                          </p:spTgt>
+                                        </p:tgtEl>
+                                        <p:attrNameLst>
+                                          <p:attrName>ppt_x</p:attrName>
+                                        </p:attrNameLst>
+                                      </p:cBhvr>
+                                      <p:tavLst>
+                                        <p:tav tm="0">
+                                          <p:val>
+                                            <p:strVal val="#ppt_x"/>
+                                          </p:val>
+                                        </p:tav>
+                                        <p:tav tm="100000">
+                                          <p:val>
+                                            <p:strVal val="#ppt_x"/>
+                                          </p:val>
+                                        </p:tav>
+                                      </p:tavLst>
+                                    </p:anim>
+                                    <p:anim calcmode="lin" valueType="num">
+                                      <p:cBhvr additive="base">
+                                        <p:cTn id="12" dur="500" fill="hold"/>
+                                        <p:tgtEl>
+                                          <p:spTgt spid="30722">
+                                            <p:txEl>
+                                              <p:pRg st="6" end="6"/>
+                                            </p:txEl>
+                                          </p:spTgt>
+                                        </p:tgtEl>
+                                        <p:attrNameLst>
+                                          <p:attrName>ppt_y</p:attrName>
+                                        </p:attrNameLst>
+                                      </p:cBhvr>
+                                      <p:tavLst>
+                                        <p:tav tm="0">
+                                          <p:val>
+                                            <p:strVal val="1+#ppt_h/2"/>
+                                          </p:val>
+                                        </p:tav>
+                                        <p:tav tm="100000">
+                                          <p:val>
+                                            <p:strVal val="#ppt_y"/>
+                                          </p:val>
+                                        </p:tav>
+                                      </p:tavLst>
+                                    </p:anim>
+                                  </p:childTnLst>
+                                </p:cTn>
+                              </p:par>
+                            </p:childTnLst>
+                          </p:cTn>
+                        </p:par>
+                      </p:childTnLst>
+                    </p:cTn>
+                  </p:par>
+                </p:childTnLst>
+              </p:cTn>
+              <p:prevCondLst>
+                <p:cond evt="onPrev" delay="0">
+                  <p:tgtEl>
+                    <p:sldTgt/>
+                  </p:tgtEl>
+                </p:cond>
+              </p:prevCondLst>
+              <p:nextCondLst>
+                <p:cond evt="onNext" delay="0">
+                  <p:tgtEl>
+                    <p:sldTgt/>
+                  </p:tgtEl>
+                </p:cond>
+              </p:nextCondLst>
+            </p:seq>
+          </p:childTnLst>
+        </p:cTn>
       </p:par>
     </p:tnLst>
   </p:timing>
@@ -4116,13 +4344,6 @@
               </a:rPr>
               <a:t>项目启动</a:t>
             </a:r>
-            <a:endParaRPr lang="zh-CN" altLang="en-US" sz="2800" b="1" dirty="0" smtClean="0">
-              <a:solidFill>
-                <a:srgbClr val="C00000"/>
-              </a:solidFill>
-              <a:latin typeface="+mj-ea"/>
-              <a:ea typeface="+mj-ea"/>
-            </a:endParaRPr>
           </a:p>
           <a:p>
             <a:pPr>
@@ -4282,10 +4503,13 @@
               <a:rPr lang="en-US" altLang="zh-CN" dirty="0" smtClean="0"/>
               <a:t> serve --open</a:t>
             </a:r>
-            <a:endParaRPr lang="en-US" altLang="zh-CN" dirty="0" smtClean="0"/>
-          </a:p>
-          <a:p>
-            <a:pPr marL="593090" lvl="2"/>
+          </a:p>
+          <a:p>
+            <a:pPr marL="593090" lvl="2" latinLnBrk="0">
+              <a:spcAft>
+                <a:spcPts val="0"/>
+              </a:spcAft>
+            </a:pPr>
             <a:r>
               <a:rPr lang="en-US" altLang="zh-CN" dirty="0" smtClean="0"/>
               <a:t> </a:t>
@@ -4321,7 +4545,11 @@
             <a:endParaRPr lang="en-US" altLang="zh-CN" dirty="0" smtClean="0"/>
           </a:p>
           <a:p>
-            <a:pPr marL="593090" lvl="2"/>
+            <a:pPr marL="593090" lvl="2" latinLnBrk="0">
+              <a:spcAft>
+                <a:spcPts val="0"/>
+              </a:spcAft>
+            </a:pPr>
             <a:r>
               <a:rPr lang="en-US" altLang="zh-CN" dirty="0" smtClean="0"/>
               <a:t> </a:t>
@@ -4346,7 +4574,6 @@
               <a:rPr lang="en-US" altLang="zh-CN" dirty="0" smtClean="0"/>
               <a:t>localhost:4200</a:t>
             </a:r>
-            <a:endParaRPr lang="en-US" altLang="zh-CN" dirty="0" smtClean="0"/>
           </a:p>
           <a:p>
             <a:pPr marL="361315" lvl="1" indent="0">
@@ -4433,10 +4660,6 @@
               </a:rPr>
               <a:t>项目启动</a:t>
             </a:r>
-            <a:endParaRPr lang="zh-CN" altLang="en-US" dirty="0" smtClean="0">
-              <a:latin typeface="+mn-ea"/>
-              <a:ea typeface="+mn-ea"/>
-            </a:endParaRPr>
           </a:p>
         </p:txBody>
       </p:sp>
@@ -5500,7 +5723,6 @@
               <a:rPr lang="en-US" altLang="zh-CN" dirty="0" smtClean="0"/>
               <a:t>  -- {{ }}</a:t>
             </a:r>
-            <a:endParaRPr lang="en-US" altLang="zh-CN" dirty="0" smtClean="0"/>
           </a:p>
           <a:p>
             <a:pPr marL="591820" lvl="1"/>
@@ -5517,7 +5739,7 @@
               <a:t>HTML </a:t>
             </a:r>
             <a:r>
-              <a:rPr lang="zh-CN" altLang="en-US" smtClean="0"/>
+              <a:rPr lang="zh-CN" altLang="en-US" dirty="0" smtClean="0"/>
               <a:t>标签内或</a:t>
             </a:r>
             <a:r>
@@ -5548,7 +5770,6 @@
               <a:rPr lang="en-US" altLang="zh-CN" dirty="0" smtClean="0"/>
               <a:t> ]</a:t>
             </a:r>
-            <a:endParaRPr lang="en-US" altLang="zh-CN" dirty="0" smtClean="0"/>
           </a:p>
           <a:p>
             <a:pPr marL="360045"/>
@@ -5604,7 +5825,6 @@
               <a:rPr lang="en-US" altLang="zh-CN" dirty="0" smtClean="0"/>
               <a:t>&gt;</a:t>
             </a:r>
-            <a:endParaRPr lang="en-US" altLang="zh-CN" dirty="0" smtClean="0"/>
           </a:p>
           <a:p>
             <a:pPr marL="591820" lvl="1"/>
@@ -5648,7 +5868,6 @@
               <a:rPr lang="en-US" altLang="zh-CN" dirty="0"/>
               <a:t>item}}&lt;/div&gt;</a:t>
             </a:r>
-            <a:endParaRPr lang="en-US" altLang="zh-CN" dirty="0"/>
           </a:p>
           <a:p>
             <a:pPr marL="591820" lvl="1"/>
@@ -5750,10 +5969,6 @@
               </a:rPr>
               <a:t>语法</a:t>
             </a:r>
-            <a:endParaRPr lang="zh-CN" altLang="en-US" dirty="0" smtClean="0">
-              <a:latin typeface="+mn-ea"/>
-              <a:ea typeface="+mn-ea"/>
-            </a:endParaRPr>
           </a:p>
         </p:txBody>
       </p:sp>
@@ -6324,15 +6539,27 @@
             </a:r>
             <a:r>
               <a:rPr lang="en-US" altLang="zh-CN" dirty="0" smtClean="0"/>
-              <a:t>&lt;button (click)=“</a:t>
+              <a:t>&lt;</a:t>
+            </a:r>
+            <a:r>
+              <a:rPr lang="en-US" altLang="zh-CN" dirty="0" smtClean="0"/>
+              <a:t>button   </a:t>
+            </a:r>
+            <a:r>
+              <a:rPr lang="en-US" altLang="zh-CN" dirty="0" smtClean="0"/>
+              <a:t>(click)=“</a:t>
             </a:r>
             <a:r>
               <a:rPr lang="en-US" altLang="zh-CN" dirty="0" err="1" smtClean="0"/>
               <a:t>clickFun</a:t>
             </a:r>
             <a:r>
-              <a:rPr lang="en-US" altLang="zh-CN" dirty="0" smtClean="0"/>
-              <a:t>( )”&gt;</a:t>
+              <a:rPr lang="en-US" altLang="zh-CN" smtClean="0"/>
+              <a:t>( </a:t>
+            </a:r>
+            <a:r>
+              <a:rPr lang="en-US" altLang="zh-CN" smtClean="0"/>
+              <a:t>)”&gt;</a:t>
             </a:r>
             <a:r>
               <a:rPr lang="zh-CN" altLang="en-US" dirty="0" smtClean="0"/>
@@ -6532,10 +6759,6 @@
               </a:rPr>
               <a:t>语法</a:t>
             </a:r>
-            <a:endParaRPr lang="zh-CN" altLang="en-US" dirty="0" smtClean="0">
-              <a:latin typeface="+mn-ea"/>
-              <a:ea typeface="+mn-ea"/>
-            </a:endParaRPr>
           </a:p>
         </p:txBody>
       </p:sp>
@@ -7103,7 +7326,6 @@
               <a:rPr lang="en-US" altLang="zh-CN" dirty="0" smtClean="0"/>
               <a:t> )]</a:t>
             </a:r>
-            <a:endParaRPr lang="en-US" altLang="zh-CN" dirty="0" smtClean="0"/>
           </a:p>
           <a:p>
             <a:pPr marL="591820" lvl="1"/>
@@ -7183,7 +7405,6 @@
               <a:rPr lang="en-US" altLang="zh-CN" dirty="0" smtClean="0"/>
               <a:t>';</a:t>
             </a:r>
-            <a:endParaRPr lang="en-US" altLang="zh-CN" dirty="0" smtClean="0"/>
           </a:p>
           <a:p>
             <a:pPr marL="593090" lvl="2"/>
@@ -7215,7 +7436,6 @@
               <a:rPr lang="en-US" altLang="zh-CN" dirty="0" smtClean="0"/>
               <a:t>]</a:t>
             </a:r>
-            <a:endParaRPr lang="en-US" altLang="zh-CN" dirty="0" smtClean="0"/>
           </a:p>
           <a:p>
             <a:pPr marL="591820" lvl="1"/>
@@ -7345,10 +7565,6 @@
               </a:rPr>
               <a:t>语法</a:t>
             </a:r>
-            <a:endParaRPr lang="zh-CN" altLang="en-US" dirty="0" smtClean="0">
-              <a:latin typeface="+mn-ea"/>
-              <a:ea typeface="+mn-ea"/>
-            </a:endParaRPr>
           </a:p>
         </p:txBody>
       </p:sp>
@@ -8100,9 +8316,10 @@
       </a:lstStyle>
     </a:lnDef>
   </a:objectDefaults>
+  <a:extraClrSchemeLst/>
   <a:extLst>
     <a:ext uri="{05A4C25C-085E-4340-85A3-A5531E510DB2}">
-      <thm15:themeFamily xmlns:thm15="http://schemas.microsoft.com/office/thememl/2012/main" name="Office Theme" id="{62F939B6-93AF-4DB8-9C6B-D6C7DFDC589F}" vid="{4A3C46E8-61CC-4603-A589-7422A47A8E4A}"/>
+      <thm15:themeFamily xmlns:thm15="http://schemas.microsoft.com/office/thememl/2012/main" xmlns="" name="Office Theme" id="{62F939B6-93AF-4DB8-9C6B-D6C7DFDC589F}" vid="{4A3C46E8-61CC-4603-A589-7422A47A8E4A}"/>
     </a:ext>
   </a:extLst>
 </a:theme>
@@ -8386,9 +8603,11 @@
       </a:bgFillStyleLst>
     </a:fmtScheme>
   </a:themeElements>
+  <a:objectDefaults/>
+  <a:extraClrSchemeLst/>
   <a:extLst>
     <a:ext uri="{05A4C25C-085E-4340-85A3-A5531E510DB2}">
-      <thm15:themeFamily xmlns:thm15="http://schemas.microsoft.com/office/thememl/2012/main" name="Office Theme" id="{62F939B6-93AF-4DB8-9C6B-D6C7DFDC589F}" vid="{4A3C46E8-61CC-4603-A589-7422A47A8E4A}"/>
+      <thm15:themeFamily xmlns:thm15="http://schemas.microsoft.com/office/thememl/2012/main" xmlns="" name="Office Theme" id="{62F939B6-93AF-4DB8-9C6B-D6C7DFDC589F}" vid="{4A3C46E8-61CC-4603-A589-7422A47A8E4A}"/>
     </a:ext>
   </a:extLst>
 </a:theme>
